--- a/04. Console-Input-Output/4. Console-Input-Output.pptx
+++ b/04. Console-Input-Output/4. Console-Input-Output.pptx
@@ -152,7 +152,7 @@
   </p:defaultTextStyle>
   <p:extLst>
     <p:ext uri="{EFAFB233-063F-42B5-8137-9DF3F51BA10A}">
-      <p15:sldGuideLst xmlns:p15="http://schemas.microsoft.com/office/powerpoint/2012/main">
+      <p15:sldGuideLst xmlns:p15="http://schemas.microsoft.com/office/powerpoint/2012/main" xmlns="">
         <p15:guide id="1" orient="horz" pos="2160" userDrawn="1">
           <p15:clr>
             <a:srgbClr val="A4A3A4"/>
@@ -166,7 +166,7 @@
       </p15:sldGuideLst>
     </p:ext>
     <p:ext uri="{2D200454-40CA-4A62-9FC3-DE9A4176ACB9}">
-      <p15:notesGuideLst xmlns:p15="http://schemas.microsoft.com/office/powerpoint/2012/main">
+      <p15:notesGuideLst xmlns:p15="http://schemas.microsoft.com/office/powerpoint/2012/main" xmlns="">
         <p15:guide id="1" orient="horz" pos="2880">
           <p15:clr>
             <a:srgbClr val="A4A3A4"/>
@@ -266,7 +266,7 @@
             <a:fld id="{FE5B4EDC-59C0-49C7-8ADA-5A781B329E02}" type="datetimeFigureOut">
               <a:rPr lang="en-US"/>
               <a:pPr/>
-              <a:t>14-03-2014</a:t>
+              <a:t>6/14/2014</a:t>
             </a:fld>
             <a:endParaRPr dirty="0"/>
           </a:p>
@@ -465,7 +465,7 @@
             <a:fld id="{F2D8D46A-B586-417D-BFBD-8C8FE0AAF762}" type="datetimeFigureOut">
               <a:rPr lang="en-US" smtClean="0"/>
               <a:pPr/>
-              <a:t>14-03-2014</a:t>
+              <a:t>6/14/2014</a:t>
             </a:fld>
             <a:endParaRPr lang="en-US"/>
           </a:p>
@@ -4116,7 +4116,7 @@
             <a:fld id="{055373AC-9AA7-423B-BA00-BA1C74164DBD}" type="datetime1">
               <a:rPr lang="en-US" smtClean="0"/>
               <a:pPr/>
-              <a:t>14-03-2014</a:t>
+              <a:t>6/14/2014</a:t>
             </a:fld>
             <a:endParaRPr lang="en-US" dirty="0"/>
           </a:p>
@@ -5355,7 +5355,7 @@
             <a:fld id="{055373AC-9AA7-423B-BA00-BA1C74164DBD}" type="datetime1">
               <a:rPr lang="en-US" smtClean="0"/>
               <a:pPr/>
-              <a:t>14-03-2014</a:t>
+              <a:t>6/14/2014</a:t>
             </a:fld>
             <a:endParaRPr lang="en-US" dirty="0"/>
           </a:p>
@@ -5899,7 +5899,7 @@
   </p:txStyles>
   <p:extLst mod="1">
     <p:ext uri="{27BBF7A9-308A-43DC-89C8-2F10F3537804}">
-      <p15:sldGuideLst xmlns:p15="http://schemas.microsoft.com/office/powerpoint/2012/main">
+      <p15:sldGuideLst xmlns:p15="http://schemas.microsoft.com/office/powerpoint/2012/main" xmlns="">
         <p15:guide id="1" orient="horz" pos="2160" userDrawn="1">
           <p15:clr>
             <a:srgbClr val="F26B43"/>
@@ -7448,8 +7448,39 @@
                 <a:latin typeface="Consolas" pitchFamily="49" charset="0"/>
                 <a:cs typeface="Consolas" pitchFamily="49" charset="0"/>
               </a:rPr>
-              <a:t>    float pi = 3.14159206;</a:t>
-            </a:r>
+              <a:t>    float pi = </a:t>
+            </a:r>
+            <a:r>
+              <a:rPr lang="en-US" b="1" noProof="1" smtClean="0">
+                <a:solidFill>
+                  <a:srgbClr val="FBEEDC"/>
+                </a:solidFill>
+                <a:effectLst>
+                  <a:outerShdw blurRad="38100" dist="38100" dir="2700000" algn="tl">
+                    <a:srgbClr val="000000">
+                      <a:alpha val="43137"/>
+                    </a:srgbClr>
+                  </a:outerShdw>
+                </a:effectLst>
+                <a:latin typeface="Consolas" pitchFamily="49" charset="0"/>
+                <a:cs typeface="Consolas" pitchFamily="49" charset="0"/>
+              </a:rPr>
+              <a:t>3.14159206f;</a:t>
+            </a:r>
+            <a:endParaRPr lang="en-US" b="1" noProof="1">
+              <a:solidFill>
+                <a:srgbClr val="FBEEDC"/>
+              </a:solidFill>
+              <a:effectLst>
+                <a:outerShdw blurRad="38100" dist="38100" dir="2700000" algn="tl">
+                  <a:srgbClr val="000000">
+                    <a:alpha val="43137"/>
+                  </a:srgbClr>
+                </a:outerShdw>
+              </a:effectLst>
+              <a:latin typeface="Consolas" pitchFamily="49" charset="0"/>
+              <a:cs typeface="Consolas" pitchFamily="49" charset="0"/>
+            </a:endParaRPr>
           </a:p>
           <a:p>
             <a:pPr>
@@ -16259,10 +16290,10 @@
                 <a:latin typeface="Consolas" pitchFamily="49" charset="0"/>
                 <a:cs typeface="Consolas" pitchFamily="49" charset="0"/>
               </a:rPr>
-              <a:t>\"C# Basics</a:t>
-            </a:r>
-            <a:r>
-              <a:rPr lang="en-US" b="1" noProof="1" smtClean="0">
+              <a:t>\"C# Basics\"" </a:t>
+            </a:r>
+            <a:r>
+              <a:rPr lang="en-US" b="1" noProof="1">
                 <a:solidFill>
                   <a:srgbClr val="FBEEDC"/>
                 </a:solidFill>
@@ -16276,10 +16307,18 @@
                 <a:latin typeface="Consolas" pitchFamily="49" charset="0"/>
                 <a:cs typeface="Consolas" pitchFamily="49" charset="0"/>
               </a:rPr>
-              <a:t>\"" </a:t>
-            </a:r>
-            <a:r>
-              <a:rPr lang="en-US" b="1" noProof="1">
+              <a:t>+ </a:t>
+            </a:r>
+          </a:p>
+          <a:p>
+            <a:pPr>
+              <a:buClr>
+                <a:srgbClr val="F2B254"/>
+              </a:buClr>
+              <a:buSzPct val="100000"/>
+            </a:pPr>
+            <a:r>
+              <a:rPr lang="en-US" b="1" noProof="1" smtClean="0">
                 <a:solidFill>
                   <a:srgbClr val="FBEEDC"/>
                 </a:solidFill>
@@ -16293,49 +16332,7 @@
                 <a:latin typeface="Consolas" pitchFamily="49" charset="0"/>
                 <a:cs typeface="Consolas" pitchFamily="49" charset="0"/>
               </a:rPr>
-              <a:t>+ </a:t>
-            </a:r>
-          </a:p>
-          <a:p>
-            <a:pPr>
-              <a:buClr>
-                <a:srgbClr val="F2B254"/>
-              </a:buClr>
-              <a:buSzPct val="100000"/>
-            </a:pPr>
-            <a:r>
-              <a:rPr lang="en-US" b="1" noProof="1" smtClean="0">
-                <a:solidFill>
-                  <a:srgbClr val="FBEEDC"/>
-                </a:solidFill>
-                <a:effectLst>
-                  <a:outerShdw blurRad="38100" dist="38100" dir="2700000" algn="tl">
-                    <a:srgbClr val="000000">
-                      <a:alpha val="43137"/>
-                    </a:srgbClr>
-                  </a:outerShdw>
-                </a:effectLst>
-                <a:latin typeface="Consolas" pitchFamily="49" charset="0"/>
-                <a:cs typeface="Consolas" pitchFamily="49" charset="0"/>
-              </a:rPr>
-              <a:t>  </a:t>
-            </a:r>
-            <a:r>
-              <a:rPr lang="en-US" b="1" noProof="1" smtClean="0">
-                <a:solidFill>
-                  <a:srgbClr val="FBEEDC"/>
-                </a:solidFill>
-                <a:effectLst>
-                  <a:outerShdw blurRad="38100" dist="38100" dir="2700000" algn="tl">
-                    <a:srgbClr val="000000">
-                      <a:alpha val="43137"/>
-                    </a:srgbClr>
-                  </a:outerShdw>
-                </a:effectLst>
-                <a:latin typeface="Consolas" pitchFamily="49" charset="0"/>
-                <a:cs typeface="Consolas" pitchFamily="49" charset="0"/>
-              </a:rPr>
-              <a:t>" course</a:t>
+              <a:t>  " course</a:t>
             </a:r>
             <a:r>
               <a:rPr lang="en-US" b="1" noProof="1">
